--- a/27-victory/lec.pptx
+++ b/27-victory/lec.pptx
@@ -9,7 +9,7 @@
   </p:notesMasterIdLst>
   <p:sldIdLst>
     <p:sldId id="545" r:id="rId2"/>
-    <p:sldId id="952" r:id="rId3"/>
+    <p:sldId id="971" r:id="rId3"/>
     <p:sldId id="849" r:id="rId4"/>
     <p:sldId id="968" r:id="rId5"/>
     <p:sldId id="850" r:id="rId6"/>
@@ -259,7 +259,7 @@
           <a:p>
             <a:fld id="{5367F125-181F-9A48-A24E-AAD89CB055B5}" type="datetimeFigureOut">
               <a:rPr lang="en-US" smtClean="0"/>
-              <a:t>12/9/19</a:t>
+              <a:t>12/10/19</a:t>
             </a:fld>
             <a:endParaRPr lang="en-US"/>
           </a:p>
@@ -2350,7 +2350,7 @@
           <a:p>
             <a:fld id="{96331252-4874-F047-84B8-3D3EF8743E79}" type="datetimeFigureOut">
               <a:rPr lang="en-US" smtClean="0"/>
-              <a:t>12/9/19</a:t>
+              <a:t>12/10/19</a:t>
             </a:fld>
             <a:endParaRPr lang="en-US"/>
           </a:p>
@@ -2617,7 +2617,7 @@
           <a:p>
             <a:fld id="{96331252-4874-F047-84B8-3D3EF8743E79}" type="datetimeFigureOut">
               <a:rPr lang="en-US" smtClean="0"/>
-              <a:t>12/9/19</a:t>
+              <a:t>12/10/19</a:t>
             </a:fld>
             <a:endParaRPr lang="en-US"/>
           </a:p>
@@ -2795,7 +2795,7 @@
           <a:p>
             <a:fld id="{96331252-4874-F047-84B8-3D3EF8743E79}" type="datetimeFigureOut">
               <a:rPr lang="en-US" smtClean="0"/>
-              <a:t>12/9/19</a:t>
+              <a:t>12/10/19</a:t>
             </a:fld>
             <a:endParaRPr lang="en-US"/>
           </a:p>
@@ -3041,7 +3041,7 @@
           <a:p>
             <a:fld id="{96331252-4874-F047-84B8-3D3EF8743E79}" type="datetimeFigureOut">
               <a:rPr lang="en-US" smtClean="0"/>
-              <a:t>12/9/19</a:t>
+              <a:t>12/10/19</a:t>
             </a:fld>
             <a:endParaRPr lang="en-US"/>
           </a:p>
@@ -3446,7 +3446,7 @@
           <a:p>
             <a:fld id="{96331252-4874-F047-84B8-3D3EF8743E79}" type="datetimeFigureOut">
               <a:rPr lang="en-US" smtClean="0"/>
-              <a:t>12/9/19</a:t>
+              <a:t>12/10/19</a:t>
             </a:fld>
             <a:endParaRPr lang="en-US"/>
           </a:p>
@@ -3691,7 +3691,7 @@
           <a:p>
             <a:fld id="{96331252-4874-F047-84B8-3D3EF8743E79}" type="datetimeFigureOut">
               <a:rPr lang="en-US" smtClean="0"/>
-              <a:t>12/9/19</a:t>
+              <a:t>12/10/19</a:t>
             </a:fld>
             <a:endParaRPr lang="en-US"/>
           </a:p>
@@ -3976,7 +3976,7 @@
           <a:p>
             <a:fld id="{96331252-4874-F047-84B8-3D3EF8743E79}" type="datetimeFigureOut">
               <a:rPr lang="en-US" smtClean="0"/>
-              <a:t>12/9/19</a:t>
+              <a:t>12/10/19</a:t>
             </a:fld>
             <a:endParaRPr lang="en-US"/>
           </a:p>
@@ -4395,7 +4395,7 @@
           <a:p>
             <a:fld id="{96331252-4874-F047-84B8-3D3EF8743E79}" type="datetimeFigureOut">
               <a:rPr lang="en-US" smtClean="0"/>
-              <a:t>12/9/19</a:t>
+              <a:t>12/10/19</a:t>
             </a:fld>
             <a:endParaRPr lang="en-US"/>
           </a:p>
@@ -4512,7 +4512,7 @@
           <a:p>
             <a:fld id="{96331252-4874-F047-84B8-3D3EF8743E79}" type="datetimeFigureOut">
               <a:rPr lang="en-US" smtClean="0"/>
-              <a:t>12/9/19</a:t>
+              <a:t>12/10/19</a:t>
             </a:fld>
             <a:endParaRPr lang="en-US"/>
           </a:p>
@@ -4607,7 +4607,7 @@
           <a:p>
             <a:fld id="{96331252-4874-F047-84B8-3D3EF8743E79}" type="datetimeFigureOut">
               <a:rPr lang="en-US" smtClean="0"/>
-              <a:t>12/9/19</a:t>
+              <a:t>12/10/19</a:t>
             </a:fld>
             <a:endParaRPr lang="en-US"/>
           </a:p>
@@ -4882,7 +4882,7 @@
           <a:p>
             <a:fld id="{96331252-4874-F047-84B8-3D3EF8743E79}" type="datetimeFigureOut">
               <a:rPr lang="en-US" smtClean="0"/>
-              <a:t>12/9/19</a:t>
+              <a:t>12/10/19</a:t>
             </a:fld>
             <a:endParaRPr lang="en-US"/>
           </a:p>
@@ -5134,7 +5134,7 @@
           <a:p>
             <a:fld id="{96331252-4874-F047-84B8-3D3EF8743E79}" type="datetimeFigureOut">
               <a:rPr lang="en-US" smtClean="0"/>
-              <a:t>12/9/19</a:t>
+              <a:t>12/10/19</a:t>
             </a:fld>
             <a:endParaRPr lang="en-US"/>
           </a:p>
@@ -5348,7 +5348,7 @@
             <a:fld id="{96331252-4874-F047-84B8-3D3EF8743E79}" type="datetimeFigureOut">
               <a:rPr lang="en-US" smtClean="0"/>
               <a:pPr/>
-              <a:t>12/9/19</a:t>
+              <a:t>12/10/19</a:t>
             </a:fld>
             <a:endParaRPr lang="en-US"/>
           </a:p>
@@ -8082,7 +8082,7 @@
                 </a:solidFill>
                 <a:latin typeface="Cronos Pro" panose="020C0502030403020304" pitchFamily="34" charset="77"/>
               </a:rPr>
-              <a:t>D. We are the champions, my friends.</a:t>
+              <a:t>We are the champions, my friends.</a:t>
             </a:r>
           </a:p>
           <a:p>
@@ -8215,7 +8215,7 @@
                 </a:solidFill>
                 <a:latin typeface="Cronos Pro" panose="020C0502030403020304" pitchFamily="34" charset="77"/>
               </a:rPr>
-              <a:t>A. I've paid my dues</a:t>
+              <a:t>I've paid my dues</a:t>
             </a:r>
           </a:p>
           <a:p>
@@ -8287,7 +8287,7 @@
                 </a:solidFill>
                 <a:latin typeface="Cronos Pro" panose="020C0502030403020304" pitchFamily="34" charset="77"/>
               </a:rPr>
-              <a:t>B. And bad mistakes‒</a:t>
+              <a:t>And bad mistakes‒</a:t>
             </a:r>
           </a:p>
           <a:p>
@@ -8359,7 +8359,7 @@
                 </a:solidFill>
                 <a:latin typeface="Cronos Pro" panose="020C0502030403020304" pitchFamily="34" charset="77"/>
               </a:rPr>
-              <a:t>C. It's been no bed of roses,</a:t>
+              <a:t>It's been no bed of roses,</a:t>
             </a:r>
           </a:p>
           <a:p>
@@ -8477,7 +8477,7 @@
     </p:spTree>
     <p:extLst>
       <p:ext uri="{BB962C8B-B14F-4D97-AF65-F5344CB8AC3E}">
-        <p14:creationId xmlns:p14="http://schemas.microsoft.com/office/powerpoint/2010/main" val="2199495130"/>
+        <p14:creationId xmlns:p14="http://schemas.microsoft.com/office/powerpoint/2010/main" val="3449643401"/>
       </p:ext>
     </p:extLst>
   </p:cSld>

--- a/27-victory/lec.pptx
+++ b/27-victory/lec.pptx
@@ -9,7 +9,7 @@
   </p:notesMasterIdLst>
   <p:sldIdLst>
     <p:sldId id="545" r:id="rId2"/>
-    <p:sldId id="971" r:id="rId3"/>
+    <p:sldId id="952" r:id="rId3"/>
     <p:sldId id="849" r:id="rId4"/>
     <p:sldId id="968" r:id="rId5"/>
     <p:sldId id="850" r:id="rId6"/>
@@ -8477,7 +8477,7 @@
     </p:spTree>
     <p:extLst>
       <p:ext uri="{BB962C8B-B14F-4D97-AF65-F5344CB8AC3E}">
-        <p14:creationId xmlns:p14="http://schemas.microsoft.com/office/powerpoint/2010/main" val="3449643401"/>
+        <p14:creationId xmlns:p14="http://schemas.microsoft.com/office/powerpoint/2010/main" val="3802525691"/>
       </p:ext>
     </p:extLst>
   </p:cSld>
